--- a/draft-gandhi-spring-stamp-srpm-04.pptx
+++ b/draft-gandhi-spring-stamp-srpm-04.pptx
@@ -5113,7 +5113,7 @@
           <a:p>
             <a:r>
               <a:rPr lang="en-CA" dirty="0"/>
-              <a:t>109</a:t>
+              <a:t>110</a:t>
             </a:r>
             <a:r>
               <a:rPr lang="en-CA" baseline="30000" dirty="0"/>
@@ -5240,7 +5240,7 @@
           <a:p>
             <a:r>
               <a:rPr lang="en-CA" dirty="0"/>
-              <a:t>109</a:t>
+              <a:t>110</a:t>
             </a:r>
             <a:r>
               <a:rPr lang="en-CA" baseline="30000" dirty="0"/>
@@ -5266,7 +5266,7 @@
         <p:spPr>
           <a:xfrm>
             <a:off x="457200" y="1009650"/>
-            <a:ext cx="8319052" cy="3124200"/>
+            <a:ext cx="8319052" cy="3390900"/>
           </a:xfrm>
         </p:spPr>
         <p:txBody>
@@ -5282,7 +5282,7 @@
               </a:spcBef>
             </a:pPr>
             <a:r>
-              <a:rPr lang="en-US" sz="1800" dirty="0"/>
+              <a:rPr lang="en-US" sz="2000" dirty="0"/>
               <a:t>One-way Measurement Mode</a:t>
             </a:r>
           </a:p>
@@ -5296,8 +5296,8 @@
               </a:spcBef>
             </a:pPr>
             <a:r>
-              <a:rPr lang="en-US" sz="1800" dirty="0"/>
-              <a:t>Reply sent “out of band” on IP/UDP path by default</a:t>
+              <a:rPr lang="en-US" sz="2000" dirty="0"/>
+              <a:t>Test packet reply sent “out of band” on IP/UDP path by default</a:t>
             </a:r>
           </a:p>
           <a:p>
@@ -5310,7 +5310,7 @@
               </a:spcBef>
             </a:pPr>
             <a:r>
-              <a:rPr lang="en-US" sz="1800" dirty="0"/>
+              <a:rPr lang="en-US" sz="2000" dirty="0"/>
               <a:t>Two-way Measurement Mode</a:t>
             </a:r>
           </a:p>
@@ -5324,8 +5324,8 @@
               </a:spcBef>
             </a:pPr>
             <a:r>
-              <a:rPr lang="en-US" sz="1800" dirty="0"/>
-              <a:t>Reply sent “in-band” on reverse SR path</a:t>
+              <a:rPr lang="en-US" sz="2000" dirty="0"/>
+              <a:t>Test packet reply sent “in-band” on reverse path</a:t>
             </a:r>
           </a:p>
           <a:p>
@@ -5338,8 +5338,36 @@
               </a:spcBef>
             </a:pPr>
             <a:r>
-              <a:rPr lang="en-US" sz="1800" dirty="0"/>
-              <a:t>Based on Control Code from the probe query message</a:t>
+              <a:rPr lang="en-US" sz="2000" dirty="0"/>
+              <a:t>Use Control Code from the received test packet</a:t>
+            </a:r>
+          </a:p>
+          <a:p>
+            <a:pPr lvl="2">
+              <a:lnSpc>
+                <a:spcPts val="2360"/>
+              </a:lnSpc>
+              <a:spcBef>
+                <a:spcPts val="600"/>
+              </a:spcBef>
+            </a:pPr>
+            <a:r>
+              <a:rPr lang="en-US" sz="2000" dirty="0"/>
+              <a:t>Use Return Path TLV for STAMP from the received test packet</a:t>
+            </a:r>
+          </a:p>
+          <a:p>
+            <a:pPr>
+              <a:lnSpc>
+                <a:spcPts val="2360"/>
+              </a:lnSpc>
+              <a:spcBef>
+                <a:spcPts val="600"/>
+              </a:spcBef>
+            </a:pPr>
+            <a:r>
+              <a:rPr lang="en-US" sz="2000" dirty="0"/>
+              <a:t>Loopback Measurement Mode</a:t>
             </a:r>
           </a:p>
           <a:p>
@@ -5352,13 +5380,10 @@
               </a:spcBef>
             </a:pPr>
             <a:r>
-              <a:rPr lang="en-US" sz="1800" dirty="0">
-                <a:solidFill>
-                  <a:srgbClr val="0070C0"/>
-                </a:solidFill>
-              </a:rPr>
-              <a:t>Use Return Path TLV for STAMP from the probe query message</a:t>
-            </a:r>
+              <a:rPr lang="en-US" sz="2000" dirty="0"/>
+              <a:t>  Test packet carries the return path in the header</a:t>
+            </a:r>
+            <a:endParaRPr lang="en-US" sz="2000" b="1" dirty="0"/>
           </a:p>
           <a:p>
             <a:pPr>
@@ -5369,36 +5394,7 @@
                 <a:spcPts val="600"/>
               </a:spcBef>
             </a:pPr>
-            <a:r>
-              <a:rPr lang="en-US" sz="1800" dirty="0"/>
-              <a:t>Loopback Measurement Mode</a:t>
-            </a:r>
-          </a:p>
-          <a:p>
-            <a:pPr lvl="1">
-              <a:lnSpc>
-                <a:spcPts val="2360"/>
-              </a:lnSpc>
-              <a:spcBef>
-                <a:spcPts val="600"/>
-              </a:spcBef>
-            </a:pPr>
-            <a:r>
-              <a:rPr lang="en-US" sz="1800" dirty="0"/>
-              <a:t>Probe message carries the return path in the header of the packet</a:t>
-            </a:r>
-            <a:endParaRPr lang="en-US" sz="1800" b="1" dirty="0"/>
-          </a:p>
-          <a:p>
-            <a:pPr>
-              <a:lnSpc>
-                <a:spcPts val="2360"/>
-              </a:lnSpc>
-              <a:spcBef>
-                <a:spcPts val="600"/>
-              </a:spcBef>
-            </a:pPr>
-            <a:endParaRPr lang="en-US" sz="1800" dirty="0"/>
+            <a:endParaRPr lang="en-US" sz="2000" dirty="0"/>
           </a:p>
         </p:txBody>
       </p:sp>
@@ -5527,7 +5523,7 @@
           <a:p>
             <a:r>
               <a:rPr lang="en-CA" dirty="0"/>
-              <a:t>109</a:t>
+              <a:t>110</a:t>
             </a:r>
             <a:r>
               <a:rPr lang="en-CA" baseline="30000" dirty="0"/>
@@ -5573,7 +5569,7 @@
                 <a:latin typeface="Calibri" panose="020F0502020204030204" pitchFamily="34" charset="0"/>
                 <a:cs typeface="Calibri" panose="020F0502020204030204" pitchFamily="34" charset="0"/>
               </a:rPr>
-              <a:t>PM probe packets can be used to compute following delay metrics:</a:t>
+              <a:t>Test packets can be used to compute following delay metrics:</a:t>
             </a:r>
           </a:p>
           <a:p>
@@ -5658,7 +5654,7 @@
                 <a:latin typeface="Calibri" panose="020F0502020204030204" pitchFamily="34" charset="0"/>
                 <a:cs typeface="Calibri" panose="020F0502020204030204" pitchFamily="34" charset="0"/>
               </a:rPr>
-              <a:t>PM probe packet loss can be used to compute following loss metrics:</a:t>
+              <a:t>Test packet loss can be used to compute following loss metrics:</a:t>
             </a:r>
           </a:p>
           <a:p>
@@ -5845,6 +5841,18 @@
             </a:r>
           </a:p>
           <a:p>
+            <a:pPr lvl="0"/>
+            <a:r>
+              <a:rPr lang="en-US" sz="2400" dirty="0"/>
+              <a:t>Requesting WG adoption</a:t>
+            </a:r>
+            <a:endParaRPr lang="en-US" sz="2400" dirty="0">
+              <a:latin typeface="Calibri" charset="0"/>
+              <a:ea typeface="Calibri" charset="0"/>
+              <a:cs typeface="Calibri" charset="0"/>
+            </a:endParaRPr>
+          </a:p>
+          <a:p>
             <a:pPr marL="0" indent="0">
               <a:buNone/>
             </a:pPr>
@@ -5878,7 +5886,7 @@
           <a:p>
             <a:r>
               <a:rPr lang="en-CA" dirty="0"/>
-              <a:t>109</a:t>
+              <a:t>110</a:t>
             </a:r>
             <a:r>
               <a:rPr lang="en-CA" baseline="30000" dirty="0"/>
@@ -5972,7 +5980,7 @@
           <a:p>
             <a:r>
               <a:rPr lang="en-CA" dirty="0"/>
-              <a:t>109</a:t>
+              <a:t>110</a:t>
             </a:r>
             <a:r>
               <a:rPr lang="en-CA" baseline="30000" dirty="0"/>
@@ -6278,8 +6286,8 @@
         </p:nvSpPr>
         <p:spPr>
           <a:xfrm>
-            <a:off x="609599" y="971550"/>
-            <a:ext cx="8113059" cy="3124200"/>
+            <a:off x="609599" y="1047750"/>
+            <a:ext cx="8113059" cy="3048000"/>
           </a:xfrm>
         </p:spPr>
         <p:txBody>
@@ -6327,7 +6335,7 @@
           <a:p>
             <a:r>
               <a:rPr lang="en-CA" dirty="0"/>
-              <a:t>109</a:t>
+              <a:t>110</a:t>
             </a:r>
             <a:r>
               <a:rPr lang="en-CA" baseline="30000" dirty="0"/>
@@ -6444,8 +6452,8 @@
         </p:nvSpPr>
         <p:spPr>
           <a:xfrm>
-            <a:off x="685800" y="857250"/>
-            <a:ext cx="7772400" cy="3585859"/>
+            <a:off x="457200" y="857251"/>
+            <a:ext cx="8229600" cy="3695700"/>
           </a:xfrm>
         </p:spPr>
         <p:txBody>
@@ -6507,27 +6515,7 @@
             </a:pPr>
             <a:r>
               <a:rPr lang="en-US" sz="1400" dirty="0"/>
-              <a:t>No need to signal to PM parameters - spirit of SR</a:t>
-            </a:r>
-          </a:p>
-          <a:p>
-            <a:pPr lvl="2">
-              <a:buFont typeface="Wingdings" charset="2"/>
-              <a:buChar char="ü"/>
-            </a:pPr>
-            <a:r>
-              <a:rPr lang="en-US" sz="1400" dirty="0"/>
-              <a:t>Stateless on egress node - spirit of SR </a:t>
-            </a:r>
-          </a:p>
-          <a:p>
-            <a:pPr lvl="2">
-              <a:buFont typeface="Wingdings" charset="2"/>
-              <a:buChar char="ü"/>
-            </a:pPr>
-            <a:r>
-              <a:rPr lang="en-US" sz="1400" dirty="0"/>
-              <a:t>State is in the probe message</a:t>
+              <a:t>Handle ECMP for SR Paths</a:t>
             </a:r>
           </a:p>
           <a:p>
@@ -6537,26 +6525,16 @@
             </a:pPr>
             <a:r>
               <a:rPr lang="en-US" sz="1400" dirty="0"/>
-              <a:t>Handle ECMP for SR Paths</a:t>
-            </a:r>
-          </a:p>
-          <a:p>
-            <a:pPr lvl="1">
-              <a:buFont typeface="Wingdings" charset="2"/>
-              <a:buChar char="§"/>
+              <a:t>Support stand-alone direct-mode loss measurement</a:t>
+            </a:r>
+          </a:p>
+          <a:p>
+            <a:pPr marL="0" indent="0">
+              <a:buNone/>
             </a:pPr>
             <a:r>
               <a:rPr lang="en-US" sz="1400" dirty="0"/>
-              <a:t>Support stand-alone direct-mode loss measurement</a:t>
-            </a:r>
-          </a:p>
-          <a:p>
-            <a:pPr marL="0" lvl="1" indent="0">
-              <a:buNone/>
-            </a:pPr>
-            <a:r>
-              <a:rPr lang="en-US" sz="1400" dirty="0"/>
-              <a:t>Scope:</a:t>
+              <a:t>Goals:</a:t>
             </a:r>
           </a:p>
           <a:p>
@@ -6566,6 +6544,35 @@
             </a:pPr>
             <a:r>
               <a:rPr lang="en-US" sz="1400" dirty="0"/>
+              <a:t>Eliminate per session provisioning on Session-Reflector</a:t>
+            </a:r>
+          </a:p>
+          <a:p>
+            <a:pPr lvl="1">
+              <a:buFont typeface="Wingdings" pitchFamily="2" charset="2"/>
+              <a:buChar char="§"/>
+            </a:pPr>
+            <a:r>
+              <a:rPr lang="en-US" sz="1400" dirty="0"/>
+              <a:t>No control-channel signaling for sessions</a:t>
+            </a:r>
+          </a:p>
+          <a:p>
+            <a:pPr marL="0" lvl="1" indent="0">
+              <a:buNone/>
+            </a:pPr>
+            <a:r>
+              <a:rPr lang="en-US" sz="1400" dirty="0"/>
+              <a:t>Scope:</a:t>
+            </a:r>
+          </a:p>
+          <a:p>
+            <a:pPr lvl="1">
+              <a:buFont typeface="Wingdings" pitchFamily="2" charset="2"/>
+              <a:buChar char="§"/>
+            </a:pPr>
+            <a:r>
+              <a:rPr lang="en-US" sz="1400" dirty="0"/>
               <a:t>STAMP [</a:t>
             </a:r>
             <a:r>
@@ -6579,7 +6586,7 @@
           </a:p>
           <a:p>
             <a:pPr lvl="1">
-              <a:buFont typeface="Wingdings" charset="2"/>
+              <a:buFont typeface="Wingdings" pitchFamily="2" charset="2"/>
               <a:buChar char="§"/>
             </a:pPr>
             <a:r>
@@ -6613,6 +6620,36 @@
             <a:r>
               <a:rPr lang="en-CA" sz="1400" dirty="0"/>
               <a:t>]</a:t>
+            </a:r>
+          </a:p>
+          <a:p>
+            <a:pPr lvl="1">
+              <a:buFont typeface="Wingdings" pitchFamily="2" charset="2"/>
+              <a:buChar char="§"/>
+            </a:pPr>
+            <a:r>
+              <a:rPr lang="en-US" sz="1400" dirty="0"/>
+              <a:t>draft-</a:t>
+            </a:r>
+            <a:r>
+              <a:rPr lang="en-US" sz="1400" dirty="0" err="1"/>
+              <a:t>gandhi</a:t>
+            </a:r>
+            <a:r>
+              <a:rPr lang="en-US" sz="1400" dirty="0"/>
+              <a:t>-</a:t>
+            </a:r>
+            <a:r>
+              <a:rPr lang="en-US" sz="1400" dirty="0" err="1"/>
+              <a:t>ippm</a:t>
+            </a:r>
+            <a:r>
+              <a:rPr lang="en-US" sz="1400" dirty="0"/>
+              <a:t>-stamp-</a:t>
+            </a:r>
+            <a:r>
+              <a:rPr lang="en-US" sz="1400" dirty="0" err="1"/>
+              <a:t>srpm</a:t>
             </a:r>
             <a:endParaRPr lang="en-US" sz="1400" dirty="0"/>
           </a:p>
@@ -6640,7 +6677,7 @@
           <a:p>
             <a:r>
               <a:rPr lang="en-CA" dirty="0"/>
-              <a:t>109</a:t>
+              <a:t>110</a:t>
             </a:r>
             <a:r>
               <a:rPr lang="en-CA" baseline="30000" dirty="0"/>
@@ -6771,7 +6808,7 @@
             </a:pPr>
             <a:r>
               <a:rPr lang="en-US" sz="1200" dirty="0"/>
-              <a:t>Add references for well-known terms “Link”, “SR Path”, and “Congruent paths”</a:t>
+              <a:t>Add references for well-known terms “link”, “SR path”. Reword “Congruent paths”</a:t>
             </a:r>
           </a:p>
           <a:p>
@@ -6809,7 +6846,7 @@
             </a:pPr>
             <a:r>
               <a:rPr lang="en-CA" sz="1200" dirty="0"/>
-              <a:t>For IPv4 and IPv6 probe messages, where the hardware is not capable of re-computing the UDP checksum or adding checksum complement [</a:t>
+              <a:t>For IPv4 and IPv6 packets, where the hardware is not capable of re-computing the UDP checksum or adding checksum complement [</a:t>
             </a:r>
             <a:r>
               <a:rPr lang="en-CA" sz="1200" dirty="0">
@@ -6925,7 +6962,7 @@
             </a:pPr>
             <a:r>
               <a:rPr lang="en-US" sz="1200" dirty="0"/>
-              <a:t>Use test packet term for query message </a:t>
+              <a:t>Use test packet term for test packet  packet, Sender as Session-Sender</a:t>
             </a:r>
           </a:p>
           <a:p>
@@ -6955,7 +6992,7 @@
             </a:pPr>
             <a:r>
               <a:rPr lang="en-CA" sz="1200" dirty="0"/>
-              <a:t>Clarify - Section 4.1.4.2 and 4.2.2.2 depict the packet format with word “as needed” for inner IP Header</a:t>
+              <a:t>Clarify - Section 4.1.4.2 and 4.2.2.2 depict the test packet format with word “as needed” for inner IP Header</a:t>
             </a:r>
           </a:p>
           <a:p>
@@ -6965,7 +7002,7 @@
             </a:pPr>
             <a:r>
               <a:rPr lang="en-CA" sz="1200" dirty="0"/>
-              <a:t>Different UDP destination ports when running authenticated and unauthenticated sessions simultaneously</a:t>
+              <a:t>UDP destination port when running authenticated and unauthenticated sessions simultaneously</a:t>
             </a:r>
             <a:endParaRPr lang="en-US" sz="1200" dirty="0"/>
           </a:p>
@@ -6997,7 +7034,7 @@
           <a:p>
             <a:r>
               <a:rPr lang="en-CA" dirty="0"/>
-              <a:t>109</a:t>
+              <a:t>110</a:t>
             </a:r>
             <a:r>
               <a:rPr lang="en-CA" baseline="30000" dirty="0"/>
@@ -7136,7 +7173,7 @@
           <a:p>
             <a:r>
               <a:rPr lang="en-CA" dirty="0"/>
-              <a:t>109</a:t>
+              <a:t>110</a:t>
             </a:r>
             <a:r>
               <a:rPr lang="en-CA" baseline="30000" dirty="0"/>
@@ -7199,7 +7236,7 @@
         <p:spPr>
           <a:xfrm>
             <a:off x="1066800" y="983711"/>
-            <a:ext cx="7010400" cy="3416320"/>
+            <a:ext cx="7010400" cy="3231654"/>
           </a:xfrm>
           <a:prstGeom prst="rect">
             <a:avLst/>
@@ -7245,7 +7282,7 @@
               <a:rPr lang="en-CA" sz="1200" dirty="0">
                 <a:latin typeface="Courier" pitchFamily="2" charset="0"/>
               </a:rPr>
-              <a:t>  Destination UDP Port            /  \         Destination UDP port</a:t>
+              <a:t>  Destination UDP Port           /    \        Destination UDP port</a:t>
             </a:r>
           </a:p>
           <a:p>
@@ -7253,7 +7290,7 @@
               <a:rPr lang="en-CA" sz="1200" dirty="0">
                 <a:latin typeface="Courier" pitchFamily="2" charset="0"/>
               </a:rPr>
-              <a:t>  Measurement Protocol           /    \        Measurement Protocol</a:t>
+              <a:t>  Measurement Type              /      \       Measurement Type</a:t>
             </a:r>
           </a:p>
           <a:p>
@@ -7261,7 +7298,7 @@
               <a:rPr lang="en-CA" sz="1200" dirty="0">
                 <a:latin typeface="Courier" pitchFamily="2" charset="0"/>
               </a:rPr>
-              <a:t>  Measurement Type              /      \       Measurement Type</a:t>
+              <a:t>     Delay/Loss                /        \        Delay/Loss</a:t>
             </a:r>
           </a:p>
           <a:p>
@@ -7269,7 +7306,7 @@
               <a:rPr lang="en-CA" sz="1200" dirty="0">
                 <a:latin typeface="Courier" pitchFamily="2" charset="0"/>
               </a:rPr>
-              <a:t>     Delay/Loss                /        \        Delay/Loss</a:t>
+              <a:t>  Authentication Mode &amp; Key   /          \     Authentication Mode &amp; Key</a:t>
             </a:r>
           </a:p>
           <a:p>
@@ -7277,7 +7314,7 @@
               <a:rPr lang="en-CA" sz="1200" dirty="0">
                 <a:latin typeface="Courier" pitchFamily="2" charset="0"/>
               </a:rPr>
-              <a:t>  Authentication Mode &amp; Key   /          \     Authentication Mode &amp; Key</a:t>
+              <a:t>  Timestamp Format           /            \    Loss Measurement Mode</a:t>
             </a:r>
           </a:p>
           <a:p>
@@ -7285,7 +7322,7 @@
               <a:rPr lang="en-CA" sz="1200" dirty="0">
                 <a:latin typeface="Courier" pitchFamily="2" charset="0"/>
               </a:rPr>
-              <a:t>  Timestamp Format           /            \    Loss Measurement Mode</a:t>
+              <a:t>  Delay Measurement Mode    /              \   SSID - Wildcard</a:t>
             </a:r>
           </a:p>
           <a:p>
@@ -7293,7 +7330,7 @@
               <a:rPr lang="en-CA" sz="1200" dirty="0">
                 <a:latin typeface="Courier" pitchFamily="2" charset="0"/>
               </a:rPr>
-              <a:t>  Delay Measurement Mode    /              \   SSID - Wildcard</a:t>
+              <a:t>  Loss Measurement Mode    /                \</a:t>
             </a:r>
           </a:p>
           <a:p>
@@ -7301,7 +7338,7 @@
               <a:rPr lang="en-CA" sz="1200" dirty="0">
                 <a:latin typeface="Courier" pitchFamily="2" charset="0"/>
               </a:rPr>
-              <a:t>  Loss Measurement Mode    /                \</a:t>
+              <a:t>                          v                  v</a:t>
             </a:r>
           </a:p>
           <a:p>
@@ -7309,7 +7346,7 @@
               <a:rPr lang="en-CA" sz="1200" dirty="0">
                 <a:latin typeface="Courier" pitchFamily="2" charset="0"/>
               </a:rPr>
-              <a:t>                          v                  v</a:t>
+              <a:t>                     +-------+            +-------+</a:t>
             </a:r>
           </a:p>
           <a:p>
@@ -7317,7 +7354,7 @@
               <a:rPr lang="en-CA" sz="1200" dirty="0">
                 <a:latin typeface="Courier" pitchFamily="2" charset="0"/>
               </a:rPr>
-              <a:t>                     +-------+            +-------+</a:t>
+              <a:t>                     |       |            |       |</a:t>
             </a:r>
           </a:p>
           <a:p>
@@ -7325,7 +7362,7 @@
               <a:rPr lang="en-CA" sz="1200" dirty="0">
                 <a:latin typeface="Courier" pitchFamily="2" charset="0"/>
               </a:rPr>
-              <a:t>                     |       |            |       |</a:t>
+              <a:t>                     |   R1  |============|   R5  |</a:t>
             </a:r>
           </a:p>
           <a:p>
@@ -7333,7 +7370,7 @@
               <a:rPr lang="en-CA" sz="1200" dirty="0">
                 <a:latin typeface="Courier" pitchFamily="2" charset="0"/>
               </a:rPr>
-              <a:t>                     |   R1  |============|   R5  |</a:t>
+              <a:t>                     |       |  SR path   |       |</a:t>
             </a:r>
           </a:p>
           <a:p>
@@ -7341,15 +7378,7 @@
               <a:rPr lang="en-CA" sz="1200" dirty="0">
                 <a:latin typeface="Courier" pitchFamily="2" charset="0"/>
               </a:rPr>
-              <a:t>                     |       |  SR Path   |       |</a:t>
-            </a:r>
-          </a:p>
-          <a:p>
-            <a:r>
-              <a:rPr lang="en-CA" sz="1200" dirty="0">
-                <a:latin typeface="Courier" pitchFamily="2" charset="0"/>
-              </a:rPr>
-              <a:t>                     +-------+  Or Link   +-------+</a:t>
+              <a:t>                     +-------+  Or link   +-------+</a:t>
             </a:r>
           </a:p>
           <a:p>
@@ -7420,7 +7449,7 @@
                 <a:latin typeface="Calibri Light" panose="020F0302020204030204" pitchFamily="34" charset="0"/>
                 <a:cs typeface="Calibri Light" panose="020F0302020204030204" pitchFamily="34" charset="0"/>
               </a:rPr>
-              <a:t>Probe Query for Links</a:t>
+              <a:t>Session-Sender Test Packet for Links</a:t>
             </a:r>
           </a:p>
         </p:txBody>
@@ -7447,7 +7476,7 @@
           <a:p>
             <a:r>
               <a:rPr lang="en-CA" dirty="0"/>
-              <a:t>109</a:t>
+              <a:t>110</a:t>
             </a:r>
             <a:r>
               <a:rPr lang="en-CA" baseline="30000" dirty="0"/>
@@ -7472,8 +7501,8 @@
         </p:nvSpPr>
         <p:spPr>
           <a:xfrm>
-            <a:off x="381000" y="766665"/>
-            <a:ext cx="8458200" cy="1081245"/>
+            <a:off x="419100" y="795761"/>
+            <a:ext cx="8458200" cy="733762"/>
           </a:xfrm>
         </p:spPr>
         <p:txBody>
@@ -7490,28 +7519,14 @@
             </a:r>
             <a:r>
               <a:rPr lang="en-US" sz="1600" dirty="0"/>
-              <a:t> is used for DM probe messages and </a:t>
-            </a:r>
-            <a:r>
-              <a:rPr lang="en-US" sz="1600" b="1" dirty="0"/>
-              <a:t>port2</a:t>
-            </a:r>
+              <a:t> is used for test packets using local and remote link addresses</a:t>
+            </a:r>
+          </a:p>
+          <a:p>
             <a:r>
               <a:rPr lang="en-US" sz="1600" dirty="0"/>
-              <a:t> is used for direct-mode LM probe messages (unauthenticated mode)</a:t>
-            </a:r>
-          </a:p>
-          <a:p>
-            <a:r>
-              <a:rPr lang="en-US" sz="1600" dirty="0"/>
-              <a:t>Applicable to physical, virtual, LAG, LAG member, numbered/unnumbered links – probe messages pre-routed over the links</a:t>
-            </a:r>
-          </a:p>
-          <a:p>
-            <a:pPr marL="0" indent="0">
-              <a:buNone/>
-            </a:pPr>
-            <a:endParaRPr lang="en-US" sz="1600" dirty="0"/>
+              <a:t>Applicable to physical, virtual, LAG, LAG member, numbered/unnumbered links</a:t>
+            </a:r>
           </a:p>
         </p:txBody>
       </p:sp>
@@ -7523,7 +7538,7 @@
         </p:nvSpPr>
         <p:spPr>
           <a:xfrm>
-            <a:off x="1971675" y="1885950"/>
+            <a:off x="1971675" y="1821597"/>
             <a:ext cx="5200650" cy="2862322"/>
           </a:xfrm>
           <a:prstGeom prst="rect">
@@ -7715,7 +7730,7 @@
                 <a:ea typeface="Courier" charset="0"/>
                 <a:cs typeface="Courier" charset="0"/>
               </a:rPr>
-              <a:t>User-configured Port                      </a:t>
+              <a:t>User-configured Port1                     </a:t>
             </a:r>
             <a:r>
               <a:rPr lang="en-US" sz="1000" dirty="0">
@@ -7774,13 +7789,13 @@
               <a:rPr lang="en-CA" sz="1000" dirty="0">
                 <a:latin typeface="Courier" pitchFamily="2" charset="0"/>
               </a:rPr>
-              <a:t>DM Message specified in Section 4.2 of RFC 8762</a:t>
+              <a:t>Test Packet specified in Section 4.2 of RFC 8762</a:t>
             </a:r>
             <a:r>
               <a:rPr lang="en-US" sz="1000" dirty="0">
                 <a:latin typeface="Courier" pitchFamily="2" charset="0"/>
               </a:rPr>
-              <a:t> or  </a:t>
+              <a:t> or </a:t>
             </a:r>
             <a:r>
               <a:rPr lang="en-US" sz="1000" dirty="0">
@@ -7809,7 +7824,7 @@
               <a:rPr lang="en-CA" sz="1000" dirty="0">
                 <a:latin typeface="Courier" pitchFamily="2" charset="0"/>
               </a:rPr>
-              <a:t>LM Message specified in this document               </a:t>
+              <a:t>Test Packet specified in this document              </a:t>
             </a:r>
             <a:r>
               <a:rPr lang="en-US" sz="1000" dirty="0">
@@ -7874,7 +7889,7 @@
                 <a:ea typeface="Courier" charset="0"/>
                 <a:cs typeface="Courier" charset="0"/>
               </a:rPr>
-              <a:t>                   Figure: Probe Query Message</a:t>
+              <a:t>                   Figure: Session-Sender Test Packet</a:t>
             </a:r>
             <a:endParaRPr lang="en-US" sz="1000" dirty="0">
               <a:latin typeface="Courier" pitchFamily="2" charset="0"/>
@@ -7972,7 +7987,7 @@
                 <a:latin typeface="Calibri Light" panose="020F0302020204030204" pitchFamily="34" charset="0"/>
                 <a:cs typeface="Calibri Light" panose="020F0302020204030204" pitchFamily="34" charset="0"/>
               </a:rPr>
-              <a:t>Probe Query for SR-MPLS and SRv6 Policy</a:t>
+              <a:t>Test Packet for SR-MPLS and SRv6 Policy</a:t>
             </a:r>
           </a:p>
         </p:txBody>
@@ -7999,7 +8014,7 @@
           <a:p>
             <a:r>
               <a:rPr lang="en-CA" dirty="0"/>
-              <a:t>109</a:t>
+              <a:t>110</a:t>
             </a:r>
             <a:r>
               <a:rPr lang="en-CA" baseline="30000" dirty="0"/>
@@ -8145,7 +8160,7 @@
                 <a:ea typeface="Courier" charset="0"/>
                 <a:cs typeface="Courier" charset="0"/>
               </a:rPr>
-              <a:t>|  DM or LM Query Message including IP/UDP Header               |</a:t>
+              <a:t>|  DM or LM test packet including IP/UDP Header                 |</a:t>
             </a:r>
           </a:p>
           <a:p>
@@ -8185,7 +8200,7 @@
                 <a:ea typeface="Courier" charset="0"/>
                 <a:cs typeface="Courier" charset="0"/>
               </a:rPr>
-              <a:t>     Figure: Example Probe Query Message for SR-MPLS Policy</a:t>
+              <a:t>     Figure: Example test packet for SR-MPLS Policy</a:t>
             </a:r>
           </a:p>
         </p:txBody>
@@ -8385,7 +8400,7 @@
             </a:r>
             <a:r>
               <a:rPr lang="en-US" sz="1600" dirty="0"/>
-              <a:t> SR Policy, the probe query message is sent on the SR Policy with:</a:t>
+              <a:t> SR Policy, the test packet is sent on the SR Policy with:</a:t>
             </a:r>
           </a:p>
           <a:p>
@@ -8433,19 +8448,11 @@
             </a:r>
             <a:r>
               <a:rPr lang="en-US" sz="1600" b="1" dirty="0"/>
-              <a:t>port1</a:t>
+              <a:t>port2</a:t>
             </a:r>
             <a:r>
               <a:rPr lang="en-US" sz="1600" dirty="0"/>
-              <a:t> is used for DM probe messages and </a:t>
-            </a:r>
-            <a:r>
-              <a:rPr lang="en-US" sz="1600" b="1" dirty="0"/>
-              <a:t>port2</a:t>
-            </a:r>
-            <a:r>
-              <a:rPr lang="en-US" sz="1600" dirty="0"/>
-              <a:t> is used for direct-mode LM probe messages (unauthenticated mode) – same as Links.</a:t>
+              <a:t> is used for direct-mode LM test packets</a:t>
             </a:r>
           </a:p>
           <a:p>
@@ -8501,7 +8508,7 @@
         <p:spPr>
           <a:xfrm>
             <a:off x="4267200" y="1986808"/>
-            <a:ext cx="3962400" cy="3093154"/>
+            <a:ext cx="3962400" cy="3208571"/>
           </a:xfrm>
           <a:prstGeom prst="rect">
             <a:avLst/>
@@ -8675,7 +8682,7 @@
                 <a:ea typeface="Courier" charset="0"/>
                 <a:cs typeface="Courier" charset="0"/>
               </a:rPr>
-              <a:t>| IP Header (as needed)                                         |</a:t>
+              <a:t>| IP Header                                                     |</a:t>
             </a:r>
           </a:p>
           <a:p>
@@ -8807,7 +8814,7 @@
                 <a:ea typeface="Courier" charset="0"/>
                 <a:cs typeface="Courier" charset="0"/>
               </a:rPr>
-              <a:t>User-configured Port                      </a:t>
+              <a:t>User-configured Port2                     </a:t>
             </a:r>
             <a:r>
               <a:rPr lang="en-US" sz="750" dirty="0">
@@ -8850,7 +8857,7 @@
                 <a:ea typeface="Courier" charset="0"/>
                 <a:cs typeface="Courier" charset="0"/>
               </a:rPr>
-              <a:t>|  Payload = DM or LM Query Message                             |</a:t>
+              <a:t>|  Payload = DM or LM test packet  packet                       |</a:t>
             </a:r>
           </a:p>
           <a:p>
@@ -8890,7 +8897,7 @@
                 <a:ea typeface="Courier" charset="0"/>
                 <a:cs typeface="Courier" charset="0"/>
               </a:rPr>
-              <a:t>       Figure: Example Probe Query Message for SRv6 Policy</a:t>
+              <a:t>           Figure: Example test packet for SRv6 Policy</a:t>
             </a:r>
           </a:p>
         </p:txBody>
@@ -8953,7 +8960,7 @@
                 <a:latin typeface="Calibri Light" panose="020F0302020204030204" pitchFamily="34" charset="0"/>
                 <a:cs typeface="Calibri Light" panose="020F0302020204030204" pitchFamily="34" charset="0"/>
               </a:rPr>
-              <a:t>Probe Response Message</a:t>
+              <a:t>  Session-Reflector Test Packet</a:t>
             </a:r>
           </a:p>
         </p:txBody>
@@ -8970,8 +8977,8 @@
         </p:nvSpPr>
         <p:spPr>
           <a:xfrm>
-            <a:off x="228600" y="749499"/>
-            <a:ext cx="8686800" cy="1143000"/>
+            <a:off x="304800" y="742950"/>
+            <a:ext cx="8686800" cy="982431"/>
           </a:xfrm>
         </p:spPr>
         <p:txBody>
@@ -8980,23 +8987,19 @@
           <a:p>
             <a:r>
               <a:rPr lang="en-US" sz="1600" dirty="0"/>
-              <a:t>The probe response message is sent using the IP/UDP information from the probe query message. </a:t>
+              <a:t>The test packet reply is sent using the IP/UDP information from the received test packet. </a:t>
             </a:r>
           </a:p>
           <a:p>
             <a:r>
               <a:rPr lang="en-US" sz="1600" dirty="0"/>
-              <a:t>Based on Control Code from the probe query message</a:t>
-            </a:r>
-          </a:p>
-          <a:p>
-            <a:r>
-              <a:rPr lang="en-US" sz="1600" dirty="0">
-                <a:solidFill>
-                  <a:srgbClr val="0070C0"/>
-                </a:solidFill>
-              </a:rPr>
-              <a:t>Use Segment List from Return Path TLV if present in probe query message.</a:t>
+              <a:t>Use Control Code from the received test packet if set.</a:t>
+            </a:r>
+          </a:p>
+          <a:p>
+            <a:r>
+              <a:rPr lang="en-US" sz="1600" dirty="0"/>
+              <a:t>Use Segment List from Return Path TLV if present in received test packet.</a:t>
             </a:r>
           </a:p>
         </p:txBody>
@@ -9023,7 +9026,7 @@
           <a:p>
             <a:r>
               <a:rPr lang="en-CA" dirty="0"/>
-              <a:t>109</a:t>
+              <a:t>110</a:t>
             </a:r>
             <a:r>
               <a:rPr lang="en-CA" baseline="30000" dirty="0"/>
@@ -9044,7 +9047,7 @@
         </p:nvSpPr>
         <p:spPr>
           <a:xfrm>
-            <a:off x="1828800" y="1857048"/>
+            <a:off x="1828800" y="1770102"/>
             <a:ext cx="5257800" cy="2862322"/>
           </a:xfrm>
           <a:prstGeom prst="rect">
@@ -9095,7 +9098,7 @@
                 <a:latin typeface="Courier" pitchFamily="2" charset="0"/>
                 <a:cs typeface="Courier New" panose="02070309020205020404" pitchFamily="49" charset="0"/>
               </a:rPr>
-              <a:t>.  Destination IP Address = Source IP Address from Query        .</a:t>
+              <a:t>.  Destination IP Address = Source IP Address from test packet  .</a:t>
             </a:r>
           </a:p>
           <a:p>
@@ -9149,7 +9152,7 @@
                 <a:latin typeface="Courier" pitchFamily="2" charset="0"/>
                 <a:cs typeface="Courier New" panose="02070309020205020404" pitchFamily="49" charset="0"/>
               </a:rPr>
-              <a:t>.  Destination Port = Source Port from Query                    .</a:t>
+              <a:t>.  Destination Port = Source Port from test packet              .</a:t>
             </a:r>
           </a:p>
           <a:p>
@@ -9176,7 +9179,7 @@
                 <a:latin typeface="Courier" pitchFamily="2" charset="0"/>
                 <a:cs typeface="Courier New" panose="02070309020205020404" pitchFamily="49" charset="0"/>
               </a:rPr>
-              <a:t>| Payload = DM Response Message |                               |</a:t>
+              <a:t>| Payload = DM Reply test packet |                              |</a:t>
             </a:r>
           </a:p>
           <a:p>
@@ -9185,7 +9188,7 @@
                 <a:latin typeface="Courier" pitchFamily="2" charset="0"/>
                 <a:cs typeface="Courier New" panose="02070309020205020404" pitchFamily="49" charset="0"/>
               </a:rPr>
-              <a:t>. Payload = LM Response Message                                 .</a:t>
+              <a:t>. Payload = LM Reply test packet                                .</a:t>
             </a:r>
           </a:p>
           <a:p>
@@ -9221,7 +9224,7 @@
                 <a:latin typeface="Courier" pitchFamily="2" charset="0"/>
                 <a:cs typeface="Courier New" panose="02070309020205020404" pitchFamily="49" charset="0"/>
               </a:rPr>
-              <a:t>                      Figure: Probe Response Message</a:t>
+              <a:t>                  Figure: Session-Reflector Test Packet</a:t>
             </a:r>
             <a:endParaRPr lang="en-US" sz="1000" dirty="0">
               <a:latin typeface="Courier" pitchFamily="2" charset="0"/>
@@ -9367,7 +9370,7 @@
             </a:pPr>
             <a:r>
               <a:rPr lang="en-US" sz="1800" dirty="0"/>
-              <a:t>Sending probe queries that can take advantage of the hashing function in forwarding plane.</a:t>
+              <a:t>Sending test packets that can take advantage of the hashing function in forwarding plane.</a:t>
             </a:r>
           </a:p>
           <a:p>
@@ -9381,7 +9384,7 @@
             </a:pPr>
             <a:r>
               <a:rPr lang="en-US" sz="1800" dirty="0"/>
-              <a:t>Existing forwarding mechanisms are applicable to probe messages. Examples are:</a:t>
+              <a:t>Existing forwarding mechanisms are applicable to test packets. Examples are:</a:t>
             </a:r>
           </a:p>
           <a:p>
@@ -9464,7 +9467,7 @@
           <a:p>
             <a:r>
               <a:rPr lang="en-CA" dirty="0"/>
-              <a:t>109</a:t>
+              <a:t>110</a:t>
             </a:r>
             <a:r>
               <a:rPr lang="en-CA" baseline="30000" dirty="0"/>

--- a/draft-gandhi-spring-stamp-srpm-04.pptx
+++ b/draft-gandhi-spring-stamp-srpm-04.pptx
@@ -7501,8 +7501,8 @@
         </p:nvSpPr>
         <p:spPr>
           <a:xfrm>
-            <a:off x="419100" y="795761"/>
-            <a:ext cx="8458200" cy="733762"/>
+            <a:off x="304800" y="795761"/>
+            <a:ext cx="8572500" cy="733762"/>
           </a:xfrm>
         </p:spPr>
         <p:txBody>
@@ -7889,7 +7889,7 @@
                 <a:ea typeface="Courier" charset="0"/>
                 <a:cs typeface="Courier" charset="0"/>
               </a:rPr>
-              <a:t>                   Figure: Session-Sender Test Packet</a:t>
+              <a:t>                  Figure: Session-Sender Test Packet</a:t>
             </a:r>
             <a:endParaRPr lang="en-US" sz="1000" dirty="0">
               <a:latin typeface="Courier" pitchFamily="2" charset="0"/>
@@ -7970,8 +7970,8 @@
         </p:nvSpPr>
         <p:spPr>
           <a:xfrm>
-            <a:off x="152400" y="202211"/>
-            <a:ext cx="3962400" cy="845539"/>
+            <a:off x="76200" y="285750"/>
+            <a:ext cx="4630554" cy="845539"/>
           </a:xfrm>
         </p:spPr>
         <p:txBody>
@@ -7980,14 +7980,14 @@
           <a:p>
             <a:pPr algn="l"/>
             <a:r>
-              <a:rPr lang="en-US" sz="3400" dirty="0">
+              <a:rPr lang="en-US" sz="2800" dirty="0">
                 <a:solidFill>
                   <a:srgbClr val="0070C0"/>
                 </a:solidFill>
                 <a:latin typeface="Calibri Light" panose="020F0302020204030204" pitchFamily="34" charset="0"/>
                 <a:cs typeface="Calibri Light" panose="020F0302020204030204" pitchFamily="34" charset="0"/>
               </a:rPr>
-              <a:t>Test Packet for SR-MPLS and SRv6 Policy</a:t>
+              <a:t>Session-Sender Test Packet for SR-MPLS and SRv6 Policy</a:t>
             </a:r>
           </a:p>
         </p:txBody>
@@ -8035,7 +8035,7 @@
         </p:nvSpPr>
         <p:spPr>
           <a:xfrm>
-            <a:off x="4267200" y="87235"/>
+            <a:off x="4876800" y="51490"/>
             <a:ext cx="3962400" cy="1823576"/>
           </a:xfrm>
           <a:prstGeom prst="rect">
@@ -8200,7 +8200,7 @@
                 <a:ea typeface="Courier" charset="0"/>
                 <a:cs typeface="Courier" charset="0"/>
               </a:rPr>
-              <a:t>     Figure: Example test packet for SR-MPLS Policy</a:t>
+              <a:t>  Figure: Example session-sender test packet for SR-MPLS Policy</a:t>
             </a:r>
           </a:p>
         </p:txBody>
@@ -8216,7 +8216,7 @@
         <p:spPr bwMode="auto">
           <a:xfrm>
             <a:off x="228600" y="1428749"/>
-            <a:ext cx="3962400" cy="3208571"/>
+            <a:ext cx="4478154" cy="2743201"/>
           </a:xfrm>
           <a:prstGeom prst="rect">
             <a:avLst/>
@@ -8507,7 +8507,7 @@
         </p:nvSpPr>
         <p:spPr>
           <a:xfrm>
-            <a:off x="4267200" y="1986808"/>
+            <a:off x="4876800" y="1951063"/>
             <a:ext cx="3962400" cy="3208571"/>
           </a:xfrm>
           <a:prstGeom prst="rect">
@@ -8897,7 +8897,7 @@
                 <a:ea typeface="Courier" charset="0"/>
                 <a:cs typeface="Courier" charset="0"/>
               </a:rPr>
-              <a:t>           Figure: Example test packet for SRv6 Policy</a:t>
+              <a:t>   Figure: Example session-sender test packet for SRv6 Policy</a:t>
             </a:r>
           </a:p>
         </p:txBody>
@@ -9224,7 +9224,7 @@
                 <a:latin typeface="Courier" pitchFamily="2" charset="0"/>
                 <a:cs typeface="Courier New" panose="02070309020205020404" pitchFamily="49" charset="0"/>
               </a:rPr>
-              <a:t>                  Figure: Session-Reflector Test Packet</a:t>
+              <a:t>                Figure: Session-Reflector Test Packet</a:t>
             </a:r>
             <a:endParaRPr lang="en-US" sz="1000" dirty="0">
               <a:latin typeface="Courier" pitchFamily="2" charset="0"/>

--- a/draft-gandhi-spring-stamp-srpm-04.pptx
+++ b/draft-gandhi-spring-stamp-srpm-04.pptx
@@ -6302,7 +6302,7 @@
           <a:p>
             <a:r>
               <a:rPr lang="en-US" sz="2400" dirty="0"/>
-              <a:t>Summary of Procedures</a:t>
+              <a:t>Summary of Procedure</a:t>
             </a:r>
           </a:p>
           <a:p>
@@ -6515,7 +6515,7 @@
             </a:pPr>
             <a:r>
               <a:rPr lang="en-US" sz="1400" dirty="0"/>
-              <a:t>Handle ECMP for SR Paths</a:t>
+              <a:t>Handle ECMP for SR paths</a:t>
             </a:r>
           </a:p>
           <a:p>
@@ -6921,28 +6921,23 @@
             </a:r>
           </a:p>
           <a:p>
+            <a:pPr>
+              <a:buFont typeface="+mj-lt"/>
+              <a:buAutoNum type="arabicPeriod"/>
+            </a:pPr>
+            <a:r>
+              <a:rPr lang="en-US" sz="1200" dirty="0"/>
+              <a:t>Editorial</a:t>
+            </a:r>
+          </a:p>
+          <a:p>
             <a:pPr lvl="1">
               <a:buFont typeface="+mj-lt"/>
               <a:buAutoNum type="alphaLcParenR"/>
             </a:pPr>
             <a:r>
               <a:rPr lang="en-US" sz="1200" dirty="0"/>
-              <a:t>Similar to the widely deployed synthetic packet loss metric</a:t>
-            </a:r>
-            <a:endParaRPr lang="en-US" sz="1200" dirty="0">
-              <a:latin typeface="Calibri" charset="0"/>
-              <a:ea typeface="Calibri" charset="0"/>
-              <a:cs typeface="Calibri" charset="0"/>
-            </a:endParaRPr>
-          </a:p>
-          <a:p>
-            <a:pPr>
-              <a:buFont typeface="+mj-lt"/>
-              <a:buAutoNum type="arabicPeriod"/>
-            </a:pPr>
-            <a:r>
-              <a:rPr lang="en-US" sz="1200" dirty="0"/>
-              <a:t>Editorial</a:t>
+              <a:t>Indicate packet loss is direct-mode loss </a:t>
             </a:r>
           </a:p>
           <a:p>
@@ -6952,17 +6947,7 @@
             </a:pPr>
             <a:r>
               <a:rPr lang="en-US" sz="1200" dirty="0"/>
-              <a:t>Indicate packet loss is direct-mode loss </a:t>
-            </a:r>
-          </a:p>
-          <a:p>
-            <a:pPr lvl="1">
-              <a:buFont typeface="+mj-lt"/>
-              <a:buAutoNum type="alphaLcParenR"/>
-            </a:pPr>
-            <a:r>
-              <a:rPr lang="en-US" sz="1200" dirty="0"/>
-              <a:t>Use test packet term for test packet  packet, Sender as Session-Sender</a:t>
+              <a:t>Use test packet term, Sender as Session-Sender</a:t>
             </a:r>
           </a:p>
           <a:p>

--- a/draft-gandhi-spring-stamp-srpm-04.pptx
+++ b/draft-gandhi-spring-stamp-srpm-04.pptx
@@ -5569,7 +5569,7 @@
                 <a:latin typeface="Calibri" panose="020F0502020204030204" pitchFamily="34" charset="0"/>
                 <a:cs typeface="Calibri" panose="020F0502020204030204" pitchFamily="34" charset="0"/>
               </a:rPr>
-              <a:t>Test packets can be used to compute following delay metrics:</a:t>
+              <a:t>Compute following delay metrics:</a:t>
             </a:r>
           </a:p>
           <a:p>
@@ -5654,7 +5654,7 @@
                 <a:latin typeface="Calibri" panose="020F0502020204030204" pitchFamily="34" charset="0"/>
                 <a:cs typeface="Calibri" panose="020F0502020204030204" pitchFamily="34" charset="0"/>
               </a:rPr>
-              <a:t>Test packet loss can be used to compute following loss metrics:</a:t>
+              <a:t>Compute following loss metrics:</a:t>
             </a:r>
           </a:p>
           <a:p>
@@ -6475,7 +6475,7 @@
             </a:pPr>
             <a:r>
               <a:rPr lang="en-US" sz="1400" dirty="0"/>
-              <a:t>Delay and Synthetic Loss Performance Measurement (PM) </a:t>
+              <a:t>Delay as well as Synthetic and Direct-Mode Loss Performance Measurement (PM) </a:t>
             </a:r>
           </a:p>
           <a:p>
@@ -6516,16 +6516,6 @@
             <a:r>
               <a:rPr lang="en-US" sz="1400" dirty="0"/>
               <a:t>Handle ECMP for SR paths</a:t>
-            </a:r>
-          </a:p>
-          <a:p>
-            <a:pPr lvl="1">
-              <a:buFont typeface="Wingdings" charset="2"/>
-              <a:buChar char="§"/>
-            </a:pPr>
-            <a:r>
-              <a:rPr lang="en-US" sz="1400" dirty="0"/>
-              <a:t>Support stand-alone direct-mode loss measurement</a:t>
             </a:r>
           </a:p>
           <a:p>
@@ -6947,7 +6937,7 @@
             </a:pPr>
             <a:r>
               <a:rPr lang="en-US" sz="1200" dirty="0"/>
-              <a:t>Use test packet term, Sender as Session-Sender</a:t>
+              <a:t>Use test packet term, Sender as Session-Sender, Reflector as Session-Reflector</a:t>
             </a:r>
           </a:p>
           <a:p>
@@ -7504,7 +7494,7 @@
             </a:r>
             <a:r>
               <a:rPr lang="en-US" sz="1600" dirty="0"/>
-              <a:t> is used for test packets using local and remote link addresses</a:t>
+              <a:t> is used for test packets, using local and remote link addresses</a:t>
             </a:r>
           </a:p>
           <a:p>
@@ -9032,7 +9022,7 @@
         </p:nvSpPr>
         <p:spPr>
           <a:xfrm>
-            <a:off x="1828800" y="1770102"/>
+            <a:off x="1828800" y="1821597"/>
             <a:ext cx="5257800" cy="2862322"/>
           </a:xfrm>
           <a:prstGeom prst="rect">

--- a/draft-gandhi-spring-stamp-srpm-04.pptx
+++ b/draft-gandhi-spring-stamp-srpm-04.pptx
@@ -256,7 +256,7 @@
           <a:p>
             <a:fld id="{E8FA3DB5-7722-3F4F-947D-12B203669AD7}" type="datetimeFigureOut">
               <a:rPr lang="en-US" smtClean="0"/>
-              <a:t>1/13/21</a:t>
+              <a:t>1/14/21</a:t>
             </a:fld>
             <a:endParaRPr lang="en-US"/>
           </a:p>
@@ -7864,7 +7864,7 @@
                 <a:ea typeface="Courier" charset="0"/>
                 <a:cs typeface="Courier" charset="0"/>
               </a:rPr>
-              <a:t>                  Figure: Session-Sender Test Packet</a:t>
+              <a:t>             Figure: Session-Sender Test Packet for links</a:t>
             </a:r>
             <a:endParaRPr lang="en-US" sz="1000" dirty="0">
               <a:latin typeface="Courier" pitchFamily="2" charset="0"/>

--- a/draft-gandhi-spring-stamp-srpm-04.pptx
+++ b/draft-gandhi-spring-stamp-srpm-04.pptx
@@ -256,7 +256,7 @@
           <a:p>
             <a:fld id="{E8FA3DB5-7722-3F4F-947D-12B203669AD7}" type="datetimeFigureOut">
               <a:rPr lang="en-US" smtClean="0"/>
-              <a:t>1/14/21</a:t>
+              <a:t>1/15/21</a:t>
             </a:fld>
             <a:endParaRPr lang="en-US"/>
           </a:p>
@@ -7273,7 +7273,7 @@
               <a:rPr lang="en-CA" sz="1200" dirty="0">
                 <a:latin typeface="Courier" pitchFamily="2" charset="0"/>
               </a:rPr>
-              <a:t>     Delay/Loss                /        \        Delay/Loss</a:t>
+              <a:t>     Delay/Direct Loss         /        \        Delay/Direct Loss</a:t>
             </a:r>
           </a:p>
           <a:p>
@@ -7417,7 +7417,7 @@
           <a:lstStyle/>
           <a:p>
             <a:r>
-              <a:rPr lang="en-US" sz="3600" dirty="0">
+              <a:rPr lang="en-US" sz="3200" dirty="0">
                 <a:solidFill>
                   <a:srgbClr val="0070C0"/>
                 </a:solidFill>
@@ -7864,7 +7864,7 @@
                 <a:ea typeface="Courier" charset="0"/>
                 <a:cs typeface="Courier" charset="0"/>
               </a:rPr>
-              <a:t>             Figure: Session-Sender Test Packet for links</a:t>
+              <a:t>            Figure: Session-Sender Test Packet for links</a:t>
             </a:r>
             <a:endParaRPr lang="en-US" sz="1000" dirty="0">
               <a:latin typeface="Courier" pitchFamily="2" charset="0"/>
@@ -7945,8 +7945,8 @@
         </p:nvSpPr>
         <p:spPr>
           <a:xfrm>
-            <a:off x="76200" y="285750"/>
-            <a:ext cx="4630554" cy="845539"/>
+            <a:off x="228600" y="285750"/>
+            <a:ext cx="4478154" cy="845539"/>
           </a:xfrm>
         </p:spPr>
         <p:txBody>
@@ -7955,7 +7955,7 @@
           <a:p>
             <a:pPr algn="l"/>
             <a:r>
-              <a:rPr lang="en-US" sz="2800" dirty="0">
+              <a:rPr lang="en-US" sz="2400" dirty="0">
                 <a:solidFill>
                   <a:srgbClr val="0070C0"/>
                 </a:solidFill>
@@ -8928,7 +8928,7 @@
           <a:lstStyle/>
           <a:p>
             <a:r>
-              <a:rPr lang="en-US" sz="3600" dirty="0">
+              <a:rPr lang="en-US" sz="3200" dirty="0">
                 <a:solidFill>
                   <a:srgbClr val="0070C0"/>
                 </a:solidFill>

--- a/draft-gandhi-spring-stamp-srpm-04.pptx
+++ b/draft-gandhi-spring-stamp-srpm-04.pptx
@@ -256,7 +256,7 @@
           <a:p>
             <a:fld id="{E8FA3DB5-7722-3F4F-947D-12B203669AD7}" type="datetimeFigureOut">
               <a:rPr lang="en-US" smtClean="0"/>
-              <a:t>1/15/21</a:t>
+              <a:t>1/17/21</a:t>
             </a:fld>
             <a:endParaRPr lang="en-US"/>
           </a:p>
@@ -5671,7 +5671,7 @@
                 <a:latin typeface="Calibri" panose="020F0502020204030204" pitchFamily="34" charset="0"/>
                 <a:cs typeface="Calibri" panose="020F0502020204030204" pitchFamily="34" charset="0"/>
               </a:rPr>
-              <a:t>Synthetic packet loss (aka indirect-mode packet loss measurement)</a:t>
+              <a:t>Synthetic packet loss (aka indirect-mode packet loss)</a:t>
             </a:r>
           </a:p>
           <a:p>
@@ -6475,7 +6475,7 @@
             </a:pPr>
             <a:r>
               <a:rPr lang="en-US" sz="1400" dirty="0"/>
-              <a:t>Delay as well as Synthetic and Direct-Mode Loss Performance Measurement (PM) </a:t>
+              <a:t>Delay as well as Synthetic Loss and Direct Measurement </a:t>
             </a:r>
           </a:p>
           <a:p>
@@ -6927,7 +6927,7 @@
             </a:pPr>
             <a:r>
               <a:rPr lang="en-US" sz="1200" dirty="0"/>
-              <a:t>Indicate packet loss is direct-mode loss </a:t>
+              <a:t>Indicate packet loss is direct measurement</a:t>
             </a:r>
           </a:p>
           <a:p>
@@ -7273,7 +7273,7 @@
               <a:rPr lang="en-CA" sz="1200" dirty="0">
                 <a:latin typeface="Courier" pitchFamily="2" charset="0"/>
               </a:rPr>
-              <a:t>     Delay/Direct Loss         /        \        Delay/Direct Loss</a:t>
+              <a:t>     Delay/Synthetic Loss      /        \        Delay/Synthetic Loss</a:t>
             </a:r>
           </a:p>
           <a:p>
@@ -7305,7 +7305,19 @@
               <a:rPr lang="en-CA" sz="1200" dirty="0">
                 <a:latin typeface="Courier" pitchFamily="2" charset="0"/>
               </a:rPr>
-              <a:t>  Loss Measurement Mode    /                \</a:t>
+              <a:t>  </a:t>
+            </a:r>
+            <a:r>
+              <a:rPr lang="en-CA" sz="1200" i="1" dirty="0">
+                <a:latin typeface="Courier" pitchFamily="2" charset="0"/>
+              </a:rPr>
+              <a:t>Direct Measurement Mode  </a:t>
+            </a:r>
+            <a:r>
+              <a:rPr lang="en-CA" sz="1200" dirty="0">
+                <a:latin typeface="Courier" pitchFamily="2" charset="0"/>
+              </a:rPr>
+              <a:t>/                \</a:t>
             </a:r>
           </a:p>
           <a:p>
@@ -7864,7 +7876,7 @@
                 <a:ea typeface="Courier" charset="0"/>
                 <a:cs typeface="Courier" charset="0"/>
               </a:rPr>
-              <a:t>            Figure: Session-Sender Test Packet for links</a:t>
+              <a:t>           Figure: Session-Sender Test Packet for links</a:t>
             </a:r>
             <a:endParaRPr lang="en-US" sz="1000" dirty="0">
               <a:latin typeface="Courier" pitchFamily="2" charset="0"/>
@@ -8427,7 +8439,7 @@
             </a:r>
             <a:r>
               <a:rPr lang="en-US" sz="1600" dirty="0"/>
-              <a:t> is used for direct-mode LM test packets</a:t>
+              <a:t> is used for direct measurement test packets</a:t>
             </a:r>
           </a:p>
           <a:p>
@@ -8832,7 +8844,7 @@
                 <a:ea typeface="Courier" charset="0"/>
                 <a:cs typeface="Courier" charset="0"/>
               </a:rPr>
-              <a:t>|  Payload = DM or LM test packet  packet                       |</a:t>
+              <a:t>|  Payload = DM or LM test packet                               |</a:t>
             </a:r>
           </a:p>
           <a:p>
@@ -9154,7 +9166,7 @@
                 <a:latin typeface="Courier" pitchFamily="2" charset="0"/>
                 <a:cs typeface="Courier New" panose="02070309020205020404" pitchFamily="49" charset="0"/>
               </a:rPr>
-              <a:t>| Payload = DM Reply test packet |                              |</a:t>
+              <a:t>| Payload = STAMP Reply test packet |                           |</a:t>
             </a:r>
           </a:p>
           <a:p>
@@ -9163,7 +9175,7 @@
                 <a:latin typeface="Courier" pitchFamily="2" charset="0"/>
                 <a:cs typeface="Courier New" panose="02070309020205020404" pitchFamily="49" charset="0"/>
               </a:rPr>
-              <a:t>. Payload = LM Reply test packet                                .</a:t>
+              <a:t>. Payload = Direct Measurement Reply test packet                .</a:t>
             </a:r>
           </a:p>
           <a:p>

--- a/draft-gandhi-spring-stamp-srpm-04.pptx
+++ b/draft-gandhi-spring-stamp-srpm-04.pptx
@@ -7488,8 +7488,8 @@
         </p:nvSpPr>
         <p:spPr>
           <a:xfrm>
-            <a:off x="304800" y="795761"/>
-            <a:ext cx="8572500" cy="733762"/>
+            <a:off x="310415" y="857250"/>
+            <a:ext cx="8572500" cy="1150433"/>
           </a:xfrm>
         </p:spPr>
         <p:txBody>
@@ -7497,21 +7497,35 @@
           <a:lstStyle/>
           <a:p>
             <a:r>
-              <a:rPr lang="en-US" sz="1600" dirty="0"/>
+              <a:rPr lang="en-US" sz="1400" dirty="0"/>
               <a:t>User-configured destination UDP </a:t>
             </a:r>
             <a:r>
-              <a:rPr lang="en-US" sz="1600" b="1" dirty="0"/>
+              <a:rPr lang="en-US" sz="1400" b="1" dirty="0"/>
               <a:t>port1</a:t>
             </a:r>
             <a:r>
-              <a:rPr lang="en-US" sz="1600" dirty="0"/>
-              <a:t> is used for test packets, using local and remote link addresses</a:t>
-            </a:r>
-          </a:p>
-          <a:p>
-            <a:r>
-              <a:rPr lang="en-US" sz="1600" dirty="0"/>
+              <a:rPr lang="en-US" sz="1400" dirty="0"/>
+              <a:t> is used for STAMP test packets, using local and remote link addresses</a:t>
+            </a:r>
+          </a:p>
+          <a:p>
+            <a:r>
+              <a:rPr lang="en-US" sz="1400" dirty="0"/>
+              <a:t>User-configured destination UDP </a:t>
+            </a:r>
+            <a:r>
+              <a:rPr lang="en-US" sz="1400" b="1" dirty="0"/>
+              <a:t>port2</a:t>
+            </a:r>
+            <a:r>
+              <a:rPr lang="en-US" sz="1400" dirty="0"/>
+              <a:t> is used for direct measurement test packets for packet loss</a:t>
+            </a:r>
+          </a:p>
+          <a:p>
+            <a:r>
+              <a:rPr lang="en-US" sz="1400" dirty="0"/>
               <a:t>Applicable to physical, virtual, LAG, LAG member, numbered/unnumbered links</a:t>
             </a:r>
           </a:p>
@@ -7525,8 +7539,8 @@
         </p:nvSpPr>
         <p:spPr>
           <a:xfrm>
-            <a:off x="1971675" y="1821597"/>
-            <a:ext cx="5200650" cy="2862322"/>
+            <a:off x="2243137" y="1885950"/>
+            <a:ext cx="4657725" cy="2585323"/>
           </a:xfrm>
           <a:prstGeom prst="rect">
             <a:avLst/>
@@ -7550,7 +7564,7 @@
               </a:spcAft>
             </a:pPr>
             <a:r>
-              <a:rPr lang="en-US" sz="1000" dirty="0">
+              <a:rPr lang="en-US" sz="900" dirty="0">
                 <a:latin typeface="Courier" pitchFamily="2" charset="0"/>
                 <a:ea typeface="Courier" charset="0"/>
                 <a:cs typeface="Courier" charset="0"/>
@@ -7565,7 +7579,7 @@
               </a:spcAft>
             </a:pPr>
             <a:r>
-              <a:rPr lang="en-US" sz="1000" dirty="0">
+              <a:rPr lang="en-US" sz="900" dirty="0">
                 <a:latin typeface="Courier" pitchFamily="2" charset="0"/>
                 <a:ea typeface="Courier" charset="0"/>
                 <a:cs typeface="Courier" charset="0"/>
@@ -7580,7 +7594,7 @@
               </a:spcAft>
             </a:pPr>
             <a:r>
-              <a:rPr lang="en-US" sz="1000" dirty="0">
+              <a:rPr lang="en-US" sz="900" dirty="0">
                 <a:latin typeface="Courier" pitchFamily="2" charset="0"/>
                 <a:ea typeface="Courier" charset="0"/>
                 <a:cs typeface="Courier" charset="0"/>
@@ -7595,7 +7609,7 @@
               </a:spcAft>
             </a:pPr>
             <a:r>
-              <a:rPr lang="en-US" sz="1000" dirty="0">
+              <a:rPr lang="en-US" sz="900" dirty="0">
                 <a:latin typeface="Courier" pitchFamily="2" charset="0"/>
                 <a:ea typeface="Courier" charset="0"/>
                 <a:cs typeface="Courier" charset="0"/>
@@ -7603,7 +7617,7 @@
               <a:t>.  Destination IP Address = Session-Reflector IPv4 or IPv6 </a:t>
             </a:r>
             <a:r>
-              <a:rPr lang="en-US" sz="1000" dirty="0" err="1">
+              <a:rPr lang="en-US" sz="900" dirty="0" err="1">
                 <a:latin typeface="Courier" pitchFamily="2" charset="0"/>
                 <a:ea typeface="Courier" charset="0"/>
                 <a:cs typeface="Courier" charset="0"/>
@@ -7611,7 +7625,7 @@
               <a:t>Addr</a:t>
             </a:r>
             <a:r>
-              <a:rPr lang="en-US" sz="1000" dirty="0">
+              <a:rPr lang="en-US" sz="900" dirty="0">
                 <a:latin typeface="Courier" pitchFamily="2" charset="0"/>
                 <a:ea typeface="Courier" charset="0"/>
                 <a:cs typeface="Courier" charset="0"/>
@@ -7626,7 +7640,7 @@
               </a:spcAft>
             </a:pPr>
             <a:r>
-              <a:rPr lang="en-US" sz="1000" dirty="0">
+              <a:rPr lang="en-US" sz="900" dirty="0">
                 <a:latin typeface="Courier" pitchFamily="2" charset="0"/>
                 <a:ea typeface="Courier" charset="0"/>
                 <a:cs typeface="Courier" charset="0"/>
@@ -7641,7 +7655,7 @@
               </a:spcAft>
             </a:pPr>
             <a:r>
-              <a:rPr lang="en-US" sz="1000" dirty="0">
+              <a:rPr lang="en-US" sz="900" dirty="0">
                 <a:latin typeface="Courier" pitchFamily="2" charset="0"/>
                 <a:ea typeface="Courier" charset="0"/>
                 <a:cs typeface="Courier" charset="0"/>
@@ -7656,7 +7670,7 @@
               </a:spcAft>
             </a:pPr>
             <a:r>
-              <a:rPr lang="en-US" sz="1000" dirty="0">
+              <a:rPr lang="en-US" sz="900" dirty="0">
                 <a:latin typeface="Courier" pitchFamily="2" charset="0"/>
                 <a:ea typeface="Courier" charset="0"/>
                 <a:cs typeface="Courier" charset="0"/>
@@ -7671,7 +7685,7 @@
               </a:spcAft>
             </a:pPr>
             <a:r>
-              <a:rPr lang="en-US" sz="1000" dirty="0">
+              <a:rPr lang="en-US" sz="900" dirty="0">
                 <a:latin typeface="Courier" pitchFamily="2" charset="0"/>
                 <a:ea typeface="Courier" charset="0"/>
                 <a:cs typeface="Courier" charset="0"/>
@@ -7686,7 +7700,7 @@
               </a:spcAft>
             </a:pPr>
             <a:r>
-              <a:rPr lang="en-US" sz="1000" dirty="0">
+              <a:rPr lang="en-US" sz="900" dirty="0">
                 <a:latin typeface="Courier" pitchFamily="2" charset="0"/>
                 <a:ea typeface="Courier" charset="0"/>
                 <a:cs typeface="Courier" charset="0"/>
@@ -7701,7 +7715,7 @@
               </a:spcAft>
             </a:pPr>
             <a:r>
-              <a:rPr lang="en-US" sz="1000" dirty="0">
+              <a:rPr lang="en-US" sz="900" dirty="0">
                 <a:latin typeface="Courier" pitchFamily="2" charset="0"/>
                 <a:ea typeface="Courier" charset="0"/>
                 <a:cs typeface="Courier" charset="0"/>
@@ -7709,7 +7723,7 @@
               <a:t>.  Destination Port = </a:t>
             </a:r>
             <a:r>
-              <a:rPr lang="en-US" sz="1000" dirty="0">
+              <a:rPr lang="en-US" sz="900" dirty="0">
                 <a:solidFill>
                   <a:srgbClr val="0070C0"/>
                 </a:solidFill>
@@ -7717,10 +7731,10 @@
                 <a:ea typeface="Courier" charset="0"/>
                 <a:cs typeface="Courier" charset="0"/>
               </a:rPr>
-              <a:t>User-configured Port1                     </a:t>
-            </a:r>
-            <a:r>
-              <a:rPr lang="en-US" sz="1000" dirty="0">
+              <a:t>User-configured Port                      </a:t>
+            </a:r>
+            <a:r>
+              <a:rPr lang="en-US" sz="900" dirty="0">
                 <a:latin typeface="Courier" pitchFamily="2" charset="0"/>
                 <a:ea typeface="Courier" charset="0"/>
                 <a:cs typeface="Courier" charset="0"/>
@@ -7735,7 +7749,7 @@
               </a:spcAft>
             </a:pPr>
             <a:r>
-              <a:rPr lang="en-US" sz="1000" dirty="0">
+              <a:rPr lang="en-US" sz="900" dirty="0">
                 <a:latin typeface="Courier" pitchFamily="2" charset="0"/>
                 <a:ea typeface="Courier" charset="0"/>
                 <a:cs typeface="Courier" charset="0"/>
@@ -7750,7 +7764,7 @@
               </a:spcAft>
             </a:pPr>
             <a:r>
-              <a:rPr lang="en-US" sz="1000" dirty="0">
+              <a:rPr lang="en-US" sz="900" dirty="0">
                 <a:latin typeface="Courier" pitchFamily="2" charset="0"/>
                 <a:ea typeface="Courier" charset="0"/>
                 <a:cs typeface="Courier" charset="0"/>
@@ -7765,7 +7779,7 @@
               </a:spcAft>
             </a:pPr>
             <a:r>
-              <a:rPr lang="en-US" sz="1000" dirty="0">
+              <a:rPr lang="en-US" sz="900" dirty="0">
                 <a:latin typeface="Courier" pitchFamily="2" charset="0"/>
                 <a:ea typeface="Courier" charset="0"/>
                 <a:cs typeface="Courier" charset="0"/>
@@ -7773,19 +7787,19 @@
               <a:t>| Payload = </a:t>
             </a:r>
             <a:r>
-              <a:rPr lang="en-CA" sz="1000" dirty="0">
+              <a:rPr lang="en-CA" sz="900" dirty="0">
                 <a:latin typeface="Courier" pitchFamily="2" charset="0"/>
               </a:rPr>
               <a:t>Test Packet specified in Section 4.2 of RFC 8762</a:t>
             </a:r>
             <a:r>
-              <a:rPr lang="en-US" sz="1000" dirty="0">
+              <a:rPr lang="en-US" sz="900" dirty="0">
                 <a:latin typeface="Courier" pitchFamily="2" charset="0"/>
               </a:rPr>
               <a:t> or </a:t>
             </a:r>
             <a:r>
-              <a:rPr lang="en-US" sz="1000" dirty="0">
+              <a:rPr lang="en-US" sz="900" dirty="0">
                 <a:latin typeface="Courier" pitchFamily="2" charset="0"/>
                 <a:ea typeface="Courier" charset="0"/>
                 <a:cs typeface="Courier" charset="0"/>
@@ -7800,21 +7814,21 @@
               </a:spcAft>
             </a:pPr>
             <a:r>
-              <a:rPr lang="en-US" sz="1000" dirty="0">
+              <a:rPr lang="en-US" sz="900" dirty="0">
                 <a:latin typeface="Courier" pitchFamily="2" charset="0"/>
                 <a:ea typeface="Courier" charset="0"/>
                 <a:cs typeface="Courier" charset="0"/>
               </a:rPr>
-              <a:t>. Payload = </a:t>
-            </a:r>
-            <a:r>
-              <a:rPr lang="en-CA" sz="1000" dirty="0">
+              <a:t>. Payload = Direct Measurement </a:t>
+            </a:r>
+            <a:r>
+              <a:rPr lang="en-CA" sz="900" dirty="0">
                 <a:latin typeface="Courier" pitchFamily="2" charset="0"/>
               </a:rPr>
-              <a:t>Test Packet specified in this document              </a:t>
-            </a:r>
-            <a:r>
-              <a:rPr lang="en-US" sz="1000" dirty="0">
+              <a:t>Test Packet                      </a:t>
+            </a:r>
+            <a:r>
+              <a:rPr lang="en-US" sz="900" dirty="0">
                 <a:latin typeface="Courier" pitchFamily="2" charset="0"/>
                 <a:ea typeface="Courier" charset="0"/>
                 <a:cs typeface="Courier" charset="0"/>
@@ -7829,7 +7843,7 @@
               </a:spcAft>
             </a:pPr>
             <a:r>
-              <a:rPr lang="en-US" sz="1000" dirty="0">
+              <a:rPr lang="en-US" sz="900" dirty="0">
                 <a:latin typeface="Courier" pitchFamily="2" charset="0"/>
                 <a:ea typeface="Courier" charset="0"/>
                 <a:cs typeface="Courier" charset="0"/>
@@ -7844,7 +7858,7 @@
               </a:spcAft>
             </a:pPr>
             <a:r>
-              <a:rPr lang="en-US" sz="1000" dirty="0">
+              <a:rPr lang="en-US" sz="900" dirty="0">
                 <a:latin typeface="Courier" pitchFamily="2" charset="0"/>
                 <a:ea typeface="Courier" charset="0"/>
                 <a:cs typeface="Courier" charset="0"/>
@@ -7858,7 +7872,7 @@
                 <a:spcPts val="0"/>
               </a:spcAft>
             </a:pPr>
-            <a:endParaRPr lang="en-US" sz="1000" dirty="0">
+            <a:endParaRPr lang="en-US" sz="900" dirty="0">
               <a:latin typeface="Courier" pitchFamily="2" charset="0"/>
               <a:ea typeface="Courier" charset="0"/>
               <a:cs typeface="Courier" charset="0"/>
@@ -7871,14 +7885,14 @@
               </a:spcAft>
             </a:pPr>
             <a:r>
-              <a:rPr lang="en-CA" sz="1000" dirty="0">
+              <a:rPr lang="en-CA" sz="900" dirty="0">
                 <a:latin typeface="Courier" pitchFamily="2" charset="0"/>
                 <a:ea typeface="Courier" charset="0"/>
                 <a:cs typeface="Courier" charset="0"/>
               </a:rPr>
-              <a:t>           Figure: Session-Sender Test Packet for links</a:t>
-            </a:r>
-            <a:endParaRPr lang="en-US" sz="1000" dirty="0">
+              <a:t>          Figure 1: Session-Sender Test Packet for links</a:t>
+            </a:r>
+            <a:endParaRPr lang="en-US" sz="900" dirty="0">
               <a:latin typeface="Courier" pitchFamily="2" charset="0"/>
               <a:ea typeface="Courier" charset="0"/>
               <a:cs typeface="Courier" charset="0"/>
@@ -7957,7 +7971,7 @@
         </p:nvSpPr>
         <p:spPr>
           <a:xfrm>
-            <a:off x="228600" y="285750"/>
+            <a:off x="228600" y="117739"/>
             <a:ext cx="4478154" cy="845539"/>
           </a:xfrm>
         </p:spPr>
@@ -8147,7 +8161,7 @@
                 <a:ea typeface="Courier" charset="0"/>
                 <a:cs typeface="Courier" charset="0"/>
               </a:rPr>
-              <a:t>|  DM or LM test packet including IP/UDP Header                 |</a:t>
+              <a:t>|  Test packet including IP/UDP Header from Figure 1            |</a:t>
             </a:r>
           </a:p>
           <a:p>
@@ -8187,7 +8201,7 @@
                 <a:ea typeface="Courier" charset="0"/>
                 <a:cs typeface="Courier" charset="0"/>
               </a:rPr>
-              <a:t>  Figure: Example session-sender test packet for SR-MPLS Policy</a:t>
+              <a:t> Figure 2: Example session-sender test packet for SR-MPLS Policy</a:t>
             </a:r>
           </a:p>
         </p:txBody>
@@ -8202,8 +8216,8 @@
         </p:nvSpPr>
         <p:spPr bwMode="auto">
           <a:xfrm>
-            <a:off x="228600" y="1428749"/>
-            <a:ext cx="4478154" cy="2743201"/>
+            <a:off x="228600" y="1156183"/>
+            <a:ext cx="4478154" cy="3362067"/>
           </a:xfrm>
           <a:prstGeom prst="rect">
             <a:avLst/>
@@ -8426,20 +8440,31 @@
             <a:endParaRPr lang="en-US" sz="1600" dirty="0"/>
           </a:p>
           <a:p>
-            <a:pPr marL="0" indent="0">
-              <a:buNone/>
-            </a:pPr>
             <a:r>
               <a:rPr lang="en-US" sz="1600" dirty="0"/>
               <a:t>User-configured destination UDP </a:t>
             </a:r>
             <a:r>
               <a:rPr lang="en-US" sz="1600" b="1" dirty="0"/>
+              <a:t>port1</a:t>
+            </a:r>
+            <a:r>
+              <a:rPr lang="en-US" sz="1600" dirty="0"/>
+              <a:t> is used for STAMP test packets</a:t>
+            </a:r>
+          </a:p>
+          <a:p>
+            <a:r>
+              <a:rPr lang="en-US" sz="1600" dirty="0"/>
+              <a:t>User-configured destination UDP </a:t>
+            </a:r>
+            <a:r>
+              <a:rPr lang="en-US" sz="1600" b="1" dirty="0"/>
               <a:t>port2</a:t>
             </a:r>
             <a:r>
               <a:rPr lang="en-US" sz="1600" dirty="0"/>
-              <a:t> is used for direct measurement test packets</a:t>
+              <a:t> is used for direct measurement test packets for packet loss</a:t>
             </a:r>
           </a:p>
           <a:p>
@@ -8801,7 +8826,7 @@
                 <a:ea typeface="Courier" charset="0"/>
                 <a:cs typeface="Courier" charset="0"/>
               </a:rPr>
-              <a:t>User-configured Port2                     </a:t>
+              <a:t>User-configured Port                      </a:t>
             </a:r>
             <a:r>
               <a:rPr lang="en-US" sz="750" dirty="0">
@@ -8838,13 +8863,77 @@
             </a:r>
           </a:p>
           <a:p>
+            <a:pPr>
+              <a:spcAft>
+                <a:spcPts val="0"/>
+              </a:spcAft>
+            </a:pPr>
+            <a:r>
+              <a:rPr lang="en-US" sz="750" dirty="0">
+                <a:latin typeface="Courier" pitchFamily="2" charset="0"/>
+                <a:ea typeface="Courier" charset="0"/>
+                <a:cs typeface="Courier" charset="0"/>
+              </a:rPr>
+              <a:t>| Payload = </a:t>
+            </a:r>
+            <a:r>
+              <a:rPr lang="en-CA" sz="750" dirty="0">
+                <a:latin typeface="Courier" pitchFamily="2" charset="0"/>
+              </a:rPr>
+              <a:t>Test Packet specified in Section 4.2 of RFC 8762</a:t>
+            </a:r>
+            <a:r>
+              <a:rPr lang="en-US" sz="750" dirty="0">
+                <a:latin typeface="Courier" pitchFamily="2" charset="0"/>
+              </a:rPr>
+              <a:t> or </a:t>
+            </a:r>
+            <a:r>
+              <a:rPr lang="en-US" sz="750" dirty="0">
+                <a:latin typeface="Courier" pitchFamily="2" charset="0"/>
+                <a:ea typeface="Courier" charset="0"/>
+                <a:cs typeface="Courier" charset="0"/>
+              </a:rPr>
+              <a:t>|</a:t>
+            </a:r>
+          </a:p>
+          <a:p>
+            <a:pPr>
+              <a:spcAft>
+                <a:spcPts val="0"/>
+              </a:spcAft>
+            </a:pPr>
+            <a:r>
+              <a:rPr lang="en-US" sz="750" dirty="0">
+                <a:latin typeface="Courier" pitchFamily="2" charset="0"/>
+                <a:ea typeface="Courier" charset="0"/>
+                <a:cs typeface="Courier" charset="0"/>
+              </a:rPr>
+              <a:t>. Payload = </a:t>
+            </a:r>
+            <a:r>
+              <a:rPr lang="en-CA" sz="750" dirty="0">
+                <a:latin typeface="Courier" pitchFamily="2" charset="0"/>
+              </a:rPr>
+              <a:t>Direct Measurement Test Packet                      </a:t>
+            </a:r>
+            <a:r>
+              <a:rPr lang="en-US" sz="750" dirty="0">
+                <a:latin typeface="Courier" pitchFamily="2" charset="0"/>
+                <a:ea typeface="Courier" charset="0"/>
+                <a:cs typeface="Courier" charset="0"/>
+              </a:rPr>
+              <a:t>.</a:t>
+            </a:r>
+          </a:p>
+          <a:p>
             <a:r>
               <a:rPr lang="en-US" sz="750" dirty="0">
                 <a:latin typeface="Courier" charset="0"/>
                 <a:ea typeface="Courier" charset="0"/>
                 <a:cs typeface="Courier" charset="0"/>
               </a:rPr>
-              <a:t>|  Payload = DM or LM test packet                               |</a:t>
+              <a:t>.                                                               .</a:t>
             </a:r>
           </a:p>
           <a:p>
@@ -8854,7 +8943,7 @@
                 <a:ea typeface="Courier" charset="0"/>
                 <a:cs typeface="Courier" charset="0"/>
               </a:rPr>
-              <a:t>.                                                               .</a:t>
+              <a:t>+---------------------------------------------------------------+</a:t>
             </a:r>
           </a:p>
           <a:p>
@@ -8864,7 +8953,7 @@
                 <a:ea typeface="Courier" charset="0"/>
                 <a:cs typeface="Courier" charset="0"/>
               </a:rPr>
-              <a:t>+---------------------------------------------------------------+</a:t>
+              <a:t> </a:t>
             </a:r>
           </a:p>
           <a:p>
@@ -8874,17 +8963,7 @@
                 <a:ea typeface="Courier" charset="0"/>
                 <a:cs typeface="Courier" charset="0"/>
               </a:rPr>
-              <a:t> </a:t>
-            </a:r>
-          </a:p>
-          <a:p>
-            <a:r>
-              <a:rPr lang="en-US" sz="750" dirty="0">
-                <a:latin typeface="Courier" charset="0"/>
-                <a:ea typeface="Courier" charset="0"/>
-                <a:cs typeface="Courier" charset="0"/>
-              </a:rPr>
-              <a:t>   Figure: Example session-sender test packet for SRv6 Policy</a:t>
+              <a:t>  Figure 3: Example session-sender test packet for SRv6 Policy</a:t>
             </a:r>
           </a:p>
         </p:txBody>

--- a/draft-gandhi-spring-stamp-srpm-04.pptx
+++ b/draft-gandhi-spring-stamp-srpm-04.pptx
@@ -256,7 +256,7 @@
           <a:p>
             <a:fld id="{E8FA3DB5-7722-3F4F-947D-12B203669AD7}" type="datetimeFigureOut">
               <a:rPr lang="en-US" smtClean="0"/>
-              <a:t>1/17/21</a:t>
+              <a:t>1/18/21</a:t>
             </a:fld>
             <a:endParaRPr lang="en-US"/>
           </a:p>
@@ -9479,6 +9479,20 @@
             <a:r>
               <a:rPr lang="en-US" sz="1800" dirty="0"/>
               <a:t>Sweeping destination address in IPv4 header (e.g. 127/8)</a:t>
+            </a:r>
+          </a:p>
+          <a:p>
+            <a:pPr lvl="2">
+              <a:lnSpc>
+                <a:spcPts val="2280"/>
+              </a:lnSpc>
+              <a:spcBef>
+                <a:spcPts val="0"/>
+              </a:spcBef>
+            </a:pPr>
+            <a:r>
+              <a:rPr lang="en-US" sz="1800" dirty="0"/>
+              <a:t>Identify intended actual destination node in “Destination Node Address TLV”</a:t>
             </a:r>
           </a:p>
           <a:p>

--- a/draft-gandhi-spring-stamp-srpm-04.pptx
+++ b/draft-gandhi-spring-stamp-srpm-04.pptx
@@ -256,7 +256,7 @@
           <a:p>
             <a:fld id="{E8FA3DB5-7722-3F4F-947D-12B203669AD7}" type="datetimeFigureOut">
               <a:rPr lang="en-US" smtClean="0"/>
-              <a:t>1/18/21</a:t>
+              <a:t>1/19/21</a:t>
             </a:fld>
             <a:endParaRPr lang="en-US"/>
           </a:p>
@@ -7297,7 +7297,7 @@
               <a:rPr lang="en-CA" sz="1200" dirty="0">
                 <a:latin typeface="Courier" pitchFamily="2" charset="0"/>
               </a:rPr>
-              <a:t>  Delay Measurement Mode    /              \   SSID - Wildcard</a:t>
+              <a:t>  Delay Measurement Mode    /              \</a:t>
             </a:r>
           </a:p>
           <a:p>
@@ -9241,12 +9241,37 @@
           </a:p>
           <a:p>
             <a:r>
+              <a:rPr lang="en-US" sz="1000" dirty="0">
+                <a:latin typeface="Courier" pitchFamily="2" charset="0"/>
+                <a:ea typeface="Courier" charset="0"/>
+                <a:cs typeface="Courier" charset="0"/>
+              </a:rPr>
+              <a:t>| Payload = </a:t>
+            </a:r>
+            <a:r>
               <a:rPr lang="en-CA" sz="1000" dirty="0">
                 <a:latin typeface="Courier" pitchFamily="2" charset="0"/>
-                <a:cs typeface="Courier New" panose="02070309020205020404" pitchFamily="49" charset="0"/>
-              </a:rPr>
-              <a:t>| Payload = STAMP Reply test packet |                           |</a:t>
-            </a:r>
+              </a:rPr>
+              <a:t>Test Packet specified in Section 4.3 of RFC 8762</a:t>
+            </a:r>
+            <a:r>
+              <a:rPr lang="en-US" sz="1000" dirty="0">
+                <a:latin typeface="Courier" pitchFamily="2" charset="0"/>
+              </a:rPr>
+              <a:t> or </a:t>
+            </a:r>
+            <a:r>
+              <a:rPr lang="en-US" sz="1000" dirty="0">
+                <a:latin typeface="Courier" pitchFamily="2" charset="0"/>
+                <a:ea typeface="Courier" charset="0"/>
+                <a:cs typeface="Courier" charset="0"/>
+              </a:rPr>
+              <a:t>|</a:t>
+            </a:r>
+            <a:endParaRPr lang="en-CA" sz="1000" dirty="0">
+              <a:latin typeface="Courier" pitchFamily="2" charset="0"/>
+              <a:cs typeface="Courier New" panose="02070309020205020404" pitchFamily="49" charset="0"/>
+            </a:endParaRPr>
           </a:p>
           <a:p>
             <a:r>
@@ -9380,7 +9405,7 @@
           <a:lstStyle/>
           <a:p>
             <a:r>
-              <a:rPr lang="en-US" sz="3600" dirty="0">
+              <a:rPr lang="en-US" sz="3200" dirty="0">
                 <a:solidFill>
                   <a:srgbClr val="0070C0"/>
                 </a:solidFill>

--- a/draft-gandhi-spring-stamp-srpm-04.pptx
+++ b/draft-gandhi-spring-stamp-srpm-04.pptx
@@ -7257,7 +7257,7 @@
               <a:rPr lang="en-CA" sz="1200" dirty="0">
                 <a:latin typeface="Courier" pitchFamily="2" charset="0"/>
               </a:rPr>
-              <a:t>  Destination UDP Port           /    \        Destination UDP port</a:t>
+              <a:t>                                 /    \</a:t>
             </a:r>
           </a:p>
           <a:p>
@@ -7265,7 +7265,7 @@
               <a:rPr lang="en-CA" sz="1200" dirty="0">
                 <a:latin typeface="Courier" pitchFamily="2" charset="0"/>
               </a:rPr>
-              <a:t>  Measurement Type              /      \       Measurement Type</a:t>
+              <a:t>  Destination UDP Port          /      \       Destination UDP port</a:t>
             </a:r>
           </a:p>
           <a:p>
@@ -7273,7 +7273,7 @@
               <a:rPr lang="en-CA" sz="1200" dirty="0">
                 <a:latin typeface="Courier" pitchFamily="2" charset="0"/>
               </a:rPr>
-              <a:t>     Delay/Synthetic Loss      /        \        Delay/Synthetic Loss</a:t>
+              <a:t>  Synthetic Loss               /        \      Synthetic Loss</a:t>
             </a:r>
           </a:p>
           <a:p>

--- a/draft-gandhi-spring-stamp-srpm-04.pptx
+++ b/draft-gandhi-spring-stamp-srpm-04.pptx
@@ -7273,7 +7273,7 @@
               <a:rPr lang="en-CA" sz="1200" dirty="0">
                 <a:latin typeface="Courier" pitchFamily="2" charset="0"/>
               </a:rPr>
-              <a:t>  Synthetic Loss               /        \      Synthetic Loss</a:t>
+              <a:t>  Authentication Mode &amp; Key    /        \      Authentication Mode &amp; Key</a:t>
             </a:r>
           </a:p>
           <a:p>
@@ -7281,7 +7281,7 @@
               <a:rPr lang="en-CA" sz="1200" dirty="0">
                 <a:latin typeface="Courier" pitchFamily="2" charset="0"/>
               </a:rPr>
-              <a:t>  Authentication Mode &amp; Key   /          \     Authentication Mode &amp; Key</a:t>
+              <a:t>  Delay Measurement Mode      /          \     Synthetic/Connection Loss</a:t>
             </a:r>
           </a:p>
           <a:p>
@@ -7289,7 +7289,13 @@
               <a:rPr lang="en-CA" sz="1200" dirty="0">
                 <a:latin typeface="Courier" pitchFamily="2" charset="0"/>
               </a:rPr>
-              <a:t>  Timestamp Format           /            \    Loss Measurement Mode</a:t>
+              <a:t>      Timestamp Format       /            \    </a:t>
+            </a:r>
+            <a:r>
+              <a:rPr lang="en-CA" sz="1200" i="1" dirty="0">
+                <a:latin typeface="Courier" pitchFamily="2" charset="0"/>
+              </a:rPr>
+              <a:t>Direct Measurement Mode</a:t>
             </a:r>
           </a:p>
           <a:p>
@@ -7297,7 +7303,7 @@
               <a:rPr lang="en-CA" sz="1200" dirty="0">
                 <a:latin typeface="Courier" pitchFamily="2" charset="0"/>
               </a:rPr>
-              <a:t>  Delay Measurement Mode    /              \</a:t>
+              <a:t>  Synthetic/Connection Loss /              \</a:t>
             </a:r>
           </a:p>
           <a:p>
@@ -7349,7 +7355,7 @@
               <a:rPr lang="en-CA" sz="1200" dirty="0">
                 <a:latin typeface="Courier" pitchFamily="2" charset="0"/>
               </a:rPr>
-              <a:t>                     |   R1  |============|   R5  |</a:t>
+              <a:t>                     |   R1  |============|   R3  |</a:t>
             </a:r>
           </a:p>
           <a:p>

--- a/draft-gandhi-spring-stamp-srpm-04.pptx
+++ b/draft-gandhi-spring-stamp-srpm-04.pptx
@@ -256,7 +256,7 @@
           <a:p>
             <a:fld id="{E8FA3DB5-7722-3F4F-947D-12B203669AD7}" type="datetimeFigureOut">
               <a:rPr lang="en-US" smtClean="0"/>
-              <a:t>1/19/21</a:t>
+              <a:t>1/20/21</a:t>
             </a:fld>
             <a:endParaRPr lang="en-US"/>
           </a:p>
@@ -5569,7 +5569,7 @@
                 <a:latin typeface="Calibri" panose="020F0502020204030204" pitchFamily="34" charset="0"/>
                 <a:cs typeface="Calibri" panose="020F0502020204030204" pitchFamily="34" charset="0"/>
               </a:rPr>
-              <a:t>Compute following delay metrics:</a:t>
+              <a:t>Compute following example delay metrics:</a:t>
             </a:r>
           </a:p>
           <a:p>
@@ -5654,7 +5654,7 @@
                 <a:latin typeface="Calibri" panose="020F0502020204030204" pitchFamily="34" charset="0"/>
                 <a:cs typeface="Calibri" panose="020F0502020204030204" pitchFamily="34" charset="0"/>
               </a:rPr>
-              <a:t>Compute following loss metrics:</a:t>
+              <a:t>Compute following example loss metrics:</a:t>
             </a:r>
           </a:p>
           <a:p>
@@ -7281,7 +7281,7 @@
               <a:rPr lang="en-CA" sz="1200" dirty="0">
                 <a:latin typeface="Courier" pitchFamily="2" charset="0"/>
               </a:rPr>
-              <a:t>  Delay Measurement Mode      /          \     Synthetic/Connection Loss</a:t>
+              <a:t>  Delay Measurement Mode      /          \     Synthetic Loss</a:t>
             </a:r>
           </a:p>
           <a:p>
@@ -7303,7 +7303,7 @@
               <a:rPr lang="en-CA" sz="1200" dirty="0">
                 <a:latin typeface="Courier" pitchFamily="2" charset="0"/>
               </a:rPr>
-              <a:t>  Synthetic/Connection Loss /              \</a:t>
+              <a:t>  Synthetic Loss            /              \</a:t>
             </a:r>
           </a:p>
           <a:p>
@@ -8167,7 +8167,7 @@
                 <a:ea typeface="Courier" charset="0"/>
                 <a:cs typeface="Courier" charset="0"/>
               </a:rPr>
-              <a:t>|  Test packet including IP/UDP Header from Figure 1            |</a:t>
+              <a:t>|  Test Packet including IP/UDP Header from Figure 1            |</a:t>
             </a:r>
           </a:p>
           <a:p>
@@ -9170,7 +9170,7 @@
                 <a:latin typeface="Courier" pitchFamily="2" charset="0"/>
                 <a:cs typeface="Courier New" panose="02070309020205020404" pitchFamily="49" charset="0"/>
               </a:rPr>
-              <a:t>.  Destination IP Address = Source IP Address from test packet  .</a:t>
+              <a:t>.  Destination IP Address = Source IP Address from Test Packet  .</a:t>
             </a:r>
           </a:p>
           <a:p>
@@ -9224,7 +9224,7 @@
                 <a:latin typeface="Courier" pitchFamily="2" charset="0"/>
                 <a:cs typeface="Courier New" panose="02070309020205020404" pitchFamily="49" charset="0"/>
               </a:rPr>
-              <a:t>.  Destination Port = Source Port from test packet              .</a:t>
+              <a:t>.  Destination Port = Source Port from Test Packet              .</a:t>
             </a:r>
           </a:p>
           <a:p>
@@ -9285,7 +9285,7 @@
                 <a:latin typeface="Courier" pitchFamily="2" charset="0"/>
                 <a:cs typeface="Courier New" panose="02070309020205020404" pitchFamily="49" charset="0"/>
               </a:rPr>
-              <a:t>. Payload = Direct Measurement Reply test packet                .</a:t>
+              <a:t>. Payload = Direct Measurement Reply Test Packet                .</a:t>
             </a:r>
           </a:p>
           <a:p>
